--- a/benchmarks/results/figures.pptx
+++ b/benchmarks/results/figures.pptx
@@ -5,7 +5,10 @@
     <p:sldMasterId id="2147483648" r:id="rId1"/>
   </p:sldMasterIdLst>
   <p:sldIdLst>
-    <p:sldId id="256" r:id="rId2"/>
+    <p:sldId id="257" r:id="rId2"/>
+    <p:sldId id="258" r:id="rId3"/>
+    <p:sldId id="259" r:id="rId4"/>
+    <p:sldId id="260" r:id="rId5"/>
   </p:sldIdLst>
   <p:sldSz cx="12192000" cy="6858000"/>
   <p:notesSz cx="6858000" cy="9144000"/>
@@ -104,6 +107,11 @@
       </a:defRPr>
     </a:lvl9pPr>
   </p:defaultTextStyle>
+  <p:extLst>
+    <p:ext uri="{EFAFB233-063F-42B5-8137-9DF3F51BA10A}">
+      <p15:sldGuideLst xmlns:p15="http://schemas.microsoft.com/office/powerpoint/2012/main"/>
+    </p:ext>
+  </p:extLst>
 </p:presentation>
 </file>
 
@@ -254,7 +262,7 @@
           <a:p>
             <a:fld id="{3C13D9C4-8C3B-45F9-9612-D726354BB0A3}" type="datetimeFigureOut">
               <a:rPr lang="en-US" smtClean="0"/>
-              <a:t>4/25/2025</a:t>
+              <a:t>4/28/2025</a:t>
             </a:fld>
             <a:endParaRPr lang="en-US"/>
           </a:p>
@@ -452,7 +460,7 @@
           <a:p>
             <a:fld id="{3C13D9C4-8C3B-45F9-9612-D726354BB0A3}" type="datetimeFigureOut">
               <a:rPr lang="en-US" smtClean="0"/>
-              <a:t>4/25/2025</a:t>
+              <a:t>4/28/2025</a:t>
             </a:fld>
             <a:endParaRPr lang="en-US"/>
           </a:p>
@@ -660,7 +668,7 @@
           <a:p>
             <a:fld id="{3C13D9C4-8C3B-45F9-9612-D726354BB0A3}" type="datetimeFigureOut">
               <a:rPr lang="en-US" smtClean="0"/>
-              <a:t>4/25/2025</a:t>
+              <a:t>4/28/2025</a:t>
             </a:fld>
             <a:endParaRPr lang="en-US"/>
           </a:p>
@@ -858,7 +866,7 @@
           <a:p>
             <a:fld id="{3C13D9C4-8C3B-45F9-9612-D726354BB0A3}" type="datetimeFigureOut">
               <a:rPr lang="en-US" smtClean="0"/>
-              <a:t>4/25/2025</a:t>
+              <a:t>4/28/2025</a:t>
             </a:fld>
             <a:endParaRPr lang="en-US"/>
           </a:p>
@@ -1133,7 +1141,7 @@
           <a:p>
             <a:fld id="{3C13D9C4-8C3B-45F9-9612-D726354BB0A3}" type="datetimeFigureOut">
               <a:rPr lang="en-US" smtClean="0"/>
-              <a:t>4/25/2025</a:t>
+              <a:t>4/28/2025</a:t>
             </a:fld>
             <a:endParaRPr lang="en-US"/>
           </a:p>
@@ -1398,7 +1406,7 @@
           <a:p>
             <a:fld id="{3C13D9C4-8C3B-45F9-9612-D726354BB0A3}" type="datetimeFigureOut">
               <a:rPr lang="en-US" smtClean="0"/>
-              <a:t>4/25/2025</a:t>
+              <a:t>4/28/2025</a:t>
             </a:fld>
             <a:endParaRPr lang="en-US"/>
           </a:p>
@@ -1810,7 +1818,7 @@
           <a:p>
             <a:fld id="{3C13D9C4-8C3B-45F9-9612-D726354BB0A3}" type="datetimeFigureOut">
               <a:rPr lang="en-US" smtClean="0"/>
-              <a:t>4/25/2025</a:t>
+              <a:t>4/28/2025</a:t>
             </a:fld>
             <a:endParaRPr lang="en-US"/>
           </a:p>
@@ -1951,7 +1959,7 @@
           <a:p>
             <a:fld id="{3C13D9C4-8C3B-45F9-9612-D726354BB0A3}" type="datetimeFigureOut">
               <a:rPr lang="en-US" smtClean="0"/>
-              <a:t>4/25/2025</a:t>
+              <a:t>4/28/2025</a:t>
             </a:fld>
             <a:endParaRPr lang="en-US"/>
           </a:p>
@@ -2064,7 +2072,7 @@
           <a:p>
             <a:fld id="{3C13D9C4-8C3B-45F9-9612-D726354BB0A3}" type="datetimeFigureOut">
               <a:rPr lang="en-US" smtClean="0"/>
-              <a:t>4/25/2025</a:t>
+              <a:t>4/28/2025</a:t>
             </a:fld>
             <a:endParaRPr lang="en-US"/>
           </a:p>
@@ -2375,7 +2383,7 @@
           <a:p>
             <a:fld id="{3C13D9C4-8C3B-45F9-9612-D726354BB0A3}" type="datetimeFigureOut">
               <a:rPr lang="en-US" smtClean="0"/>
-              <a:t>4/25/2025</a:t>
+              <a:t>4/28/2025</a:t>
             </a:fld>
             <a:endParaRPr lang="en-US"/>
           </a:p>
@@ -2663,7 +2671,7 @@
           <a:p>
             <a:fld id="{3C13D9C4-8C3B-45F9-9612-D726354BB0A3}" type="datetimeFigureOut">
               <a:rPr lang="en-US" smtClean="0"/>
-              <a:t>4/25/2025</a:t>
+              <a:t>4/28/2025</a:t>
             </a:fld>
             <a:endParaRPr lang="en-US"/>
           </a:p>
@@ -2904,7 +2912,7 @@
           <a:p>
             <a:fld id="{3C13D9C4-8C3B-45F9-9612-D726354BB0A3}" type="datetimeFigureOut">
               <a:rPr lang="en-US" smtClean="0"/>
-              <a:t>4/25/2025</a:t>
+              <a:t>4/28/2025</a:t>
             </a:fld>
             <a:endParaRPr lang="en-US"/>
           </a:p>
@@ -3323,10 +3331,10 @@
       </p:grpSpPr>
       <p:pic>
         <p:nvPicPr>
-          <p:cNvPr id="4" name="Picture 3" descr="A graph of a line">
-            <a:extLst>
-              <a:ext uri="{FF2B5EF4-FFF2-40B4-BE49-F238E27FC236}">
-                <a16:creationId xmlns:a16="http://schemas.microsoft.com/office/drawing/2014/main" id="{75034534-96C7-8EB1-2D7B-0894BBEE8419}"/>
+          <p:cNvPr id="5" name="Picture 4">
+            <a:extLst>
+              <a:ext uri="{FF2B5EF4-FFF2-40B4-BE49-F238E27FC236}">
+                <a16:creationId xmlns:a16="http://schemas.microsoft.com/office/drawing/2014/main" id="{2A672F3A-A9AF-53E7-3B96-950FAE29138B}"/>
               </a:ext>
             </a:extLst>
           </p:cNvPr>
@@ -3336,7 +3344,825 @@
           <p:nvPr/>
         </p:nvPicPr>
         <p:blipFill>
-          <a:blip r:embed="rId2">
+          <a:blip r:embed="rId2"/>
+          <a:stretch>
+            <a:fillRect/>
+          </a:stretch>
+        </p:blipFill>
+        <p:spPr>
+          <a:xfrm>
+            <a:off x="1361778" y="1074449"/>
+            <a:ext cx="6056162" cy="4155233"/>
+          </a:xfrm>
+          <a:prstGeom prst="rect">
+            <a:avLst/>
+          </a:prstGeom>
+        </p:spPr>
+      </p:pic>
+      <mc:AlternateContent xmlns:mc="http://schemas.openxmlformats.org/markup-compatibility/2006">
+        <mc:Choice xmlns:a14="http://schemas.microsoft.com/office/drawing/2010/main" Requires="a14">
+          <p:sp>
+            <p:nvSpPr>
+              <p:cNvPr id="6" name="TextBox 5">
+                <a:extLst>
+                  <a:ext uri="{FF2B5EF4-FFF2-40B4-BE49-F238E27FC236}">
+                    <a16:creationId xmlns:a16="http://schemas.microsoft.com/office/drawing/2014/main" id="{221725DD-C550-3C89-F002-7CFDF7C81229}"/>
+                  </a:ext>
+                </a:extLst>
+              </p:cNvPr>
+              <p:cNvSpPr txBox="1"/>
+              <p:nvPr/>
+            </p:nvSpPr>
+            <p:spPr>
+              <a:xfrm>
+                <a:off x="4880605" y="4656702"/>
+                <a:ext cx="97783" cy="276999"/>
+              </a:xfrm>
+              <a:prstGeom prst="rect">
+                <a:avLst/>
+              </a:prstGeom>
+              <a:noFill/>
+            </p:spPr>
+            <p:txBody>
+              <a:bodyPr wrap="none" lIns="0" tIns="0" rIns="0" bIns="0" rtlCol="0">
+                <a:spAutoFit/>
+              </a:bodyPr>
+              <a:lstStyle/>
+              <a:p>
+                <a:pPr/>
+                <a14:m>
+                  <m:oMathPara xmlns:m="http://schemas.openxmlformats.org/officeDocument/2006/math">
+                    <m:oMathParaPr>
+                      <m:jc m:val="centerGroup"/>
+                    </m:oMathParaPr>
+                    <m:oMath xmlns:m="http://schemas.openxmlformats.org/officeDocument/2006/math">
+                      <m:r>
+                        <a:rPr lang="en-US" b="0" i="1" smtClean="0">
+                          <a:latin typeface="Cambria Math" panose="02040503050406030204" pitchFamily="18" charset="0"/>
+                        </a:rPr>
+                        <m:t> </m:t>
+                      </m:r>
+                    </m:oMath>
+                  </m:oMathPara>
+                </a14:m>
+                <a:endParaRPr lang="en-US" dirty="0"/>
+              </a:p>
+            </p:txBody>
+          </p:sp>
+        </mc:Choice>
+        <mc:Fallback>
+          <p:sp>
+            <p:nvSpPr>
+              <p:cNvPr id="6" name="TextBox 5">
+                <a:extLst>
+                  <a:ext uri="{FF2B5EF4-FFF2-40B4-BE49-F238E27FC236}">
+                    <a16:creationId xmlns:a16="http://schemas.microsoft.com/office/drawing/2014/main" id="{221725DD-C550-3C89-F002-7CFDF7C81229}"/>
+                  </a:ext>
+                </a:extLst>
+              </p:cNvPr>
+              <p:cNvSpPr txBox="1">
+                <a:spLocks noRot="1" noChangeAspect="1" noMove="1" noResize="1" noEditPoints="1" noAdjustHandles="1" noChangeArrowheads="1" noChangeShapeType="1" noTextEdit="1"/>
+              </p:cNvSpPr>
+              <p:nvPr/>
+            </p:nvSpPr>
+            <p:spPr>
+              <a:xfrm>
+                <a:off x="4880605" y="4656702"/>
+                <a:ext cx="97783" cy="276999"/>
+              </a:xfrm>
+              <a:prstGeom prst="rect">
+                <a:avLst/>
+              </a:prstGeom>
+              <a:blipFill>
+                <a:blip r:embed="rId3"/>
+                <a:stretch>
+                  <a:fillRect/>
+                </a:stretch>
+              </a:blipFill>
+            </p:spPr>
+            <p:txBody>
+              <a:bodyPr/>
+              <a:lstStyle/>
+              <a:p>
+                <a:r>
+                  <a:rPr lang="en-US">
+                    <a:noFill/>
+                  </a:rPr>
+                  <a:t> </a:t>
+                </a:r>
+              </a:p>
+            </p:txBody>
+          </p:sp>
+        </mc:Fallback>
+      </mc:AlternateContent>
+      <mc:AlternateContent xmlns:mc="http://schemas.openxmlformats.org/markup-compatibility/2006">
+        <mc:Choice xmlns:a14="http://schemas.microsoft.com/office/drawing/2010/main" Requires="a14">
+          <p:sp>
+            <p:nvSpPr>
+              <p:cNvPr id="8" name="TextBox 7">
+                <a:extLst>
+                  <a:ext uri="{FF2B5EF4-FFF2-40B4-BE49-F238E27FC236}">
+                    <a16:creationId xmlns:a16="http://schemas.microsoft.com/office/drawing/2014/main" id="{764199BA-4A73-9662-E0FB-74BC79DDE4A6}"/>
+                  </a:ext>
+                </a:extLst>
+              </p:cNvPr>
+              <p:cNvSpPr txBox="1"/>
+              <p:nvPr/>
+            </p:nvSpPr>
+            <p:spPr>
+              <a:xfrm>
+                <a:off x="1361778" y="5283684"/>
+                <a:ext cx="8372677" cy="1384866"/>
+              </a:xfrm>
+              <a:prstGeom prst="rect">
+                <a:avLst/>
+              </a:prstGeom>
+              <a:noFill/>
+            </p:spPr>
+            <p:txBody>
+              <a:bodyPr wrap="none" lIns="0" tIns="0" rIns="0" bIns="0" rtlCol="0">
+                <a:spAutoFit/>
+              </a:bodyPr>
+              <a:lstStyle/>
+              <a:p>
+                <a14:m>
+                  <m:oMathPara xmlns:m="http://schemas.openxmlformats.org/officeDocument/2006/math">
+                    <m:oMathParaPr>
+                      <m:jc m:val="centerGroup"/>
+                    </m:oMathParaPr>
+                    <m:oMath xmlns:m="http://schemas.openxmlformats.org/officeDocument/2006/math">
+                      <m:sSub>
+                        <m:sSubPr>
+                          <m:ctrlPr>
+                            <a:rPr lang="en-US" sz="3200" b="0" i="1" smtClean="0">
+                              <a:latin typeface="Cambria Math" panose="02040503050406030204" pitchFamily="18" charset="0"/>
+                            </a:rPr>
+                          </m:ctrlPr>
+                        </m:sSubPr>
+                        <m:e>
+                          <m:r>
+                            <a:rPr lang="en-US" sz="3200" b="0" i="1" smtClean="0">
+                              <a:latin typeface="Cambria Math" panose="02040503050406030204" pitchFamily="18" charset="0"/>
+                            </a:rPr>
+                            <m:t>𝜑</m:t>
+                          </m:r>
+                        </m:e>
+                        <m:sub>
+                          <m:r>
+                            <a:rPr lang="en-US" sz="3200" b="0" i="1" smtClean="0">
+                              <a:latin typeface="Cambria Math" panose="02040503050406030204" pitchFamily="18" charset="0"/>
+                            </a:rPr>
+                            <m:t>𝑡</m:t>
+                          </m:r>
+                        </m:sub>
+                      </m:sSub>
+                      <m:r>
+                        <a:rPr lang="en-US" sz="3200" b="0" i="1" smtClean="0">
+                          <a:latin typeface="Cambria Math" panose="02040503050406030204" pitchFamily="18" charset="0"/>
+                        </a:rPr>
+                        <m:t> = </m:t>
+                      </m:r>
+                      <m:nary>
+                        <m:naryPr>
+                          <m:chr m:val="⋀"/>
+                          <m:ctrlPr>
+                            <a:rPr lang="en-US" sz="3200" b="0" i="1" smtClean="0">
+                              <a:latin typeface="Cambria Math" panose="02040503050406030204" pitchFamily="18" charset="0"/>
+                            </a:rPr>
+                          </m:ctrlPr>
+                        </m:naryPr>
+                        <m:sub>
+                          <m:r>
+                            <a:rPr lang="en-US" sz="3200" b="0" i="1" smtClean="0">
+                              <a:latin typeface="Cambria Math" panose="02040503050406030204" pitchFamily="18" charset="0"/>
+                            </a:rPr>
+                            <m:t>𝑖</m:t>
+                          </m:r>
+                          <m:r>
+                            <a:rPr lang="en-US" sz="3200" b="0" i="1" smtClean="0">
+                              <a:latin typeface="Cambria Math" panose="02040503050406030204" pitchFamily="18" charset="0"/>
+                            </a:rPr>
+                            <m:t>=0</m:t>
+                          </m:r>
+                        </m:sub>
+                        <m:sup>
+                          <m:r>
+                            <a:rPr lang="en-US" sz="3200" b="0" i="1" smtClean="0">
+                              <a:latin typeface="Cambria Math" panose="02040503050406030204" pitchFamily="18" charset="0"/>
+                            </a:rPr>
+                            <m:t>19</m:t>
+                          </m:r>
+                        </m:sup>
+                        <m:e>
+                          <m:sSub>
+                            <m:sSubPr>
+                              <m:ctrlPr>
+                                <a:rPr lang="en-US" sz="3200" i="1">
+                                  <a:latin typeface="Cambria Math" panose="02040503050406030204" pitchFamily="18" charset="0"/>
+                                </a:rPr>
+                              </m:ctrlPr>
+                            </m:sSubPr>
+                            <m:e>
+                              <m:r>
+                                <a:rPr lang="en-US" sz="3200" i="1">
+                                  <a:latin typeface="Cambria Math" panose="02040503050406030204" pitchFamily="18" charset="0"/>
+                                </a:rPr>
+                                <m:t>𝐹</m:t>
+                              </m:r>
+                            </m:e>
+                            <m:sub>
+                              <m:d>
+                                <m:dPr>
+                                  <m:begChr m:val="["/>
+                                  <m:endChr m:val="]"/>
+                                  <m:ctrlPr>
+                                    <a:rPr lang="en-US" sz="3200" i="1">
+                                      <a:latin typeface="Cambria Math" panose="02040503050406030204" pitchFamily="18" charset="0"/>
+                                    </a:rPr>
+                                  </m:ctrlPr>
+                                </m:dPr>
+                                <m:e>
+                                  <m:r>
+                                    <a:rPr lang="en-US" sz="3200" i="1">
+                                      <a:latin typeface="Cambria Math" panose="02040503050406030204" pitchFamily="18" charset="0"/>
+                                    </a:rPr>
+                                    <m:t>𝑖</m:t>
+                                  </m:r>
+                                  <m:r>
+                                    <a:rPr lang="en-US" sz="3200" b="0" i="1" smtClean="0">
+                                      <a:latin typeface="Cambria Math" panose="02040503050406030204" pitchFamily="18" charset="0"/>
+                                    </a:rPr>
+                                    <m:t>𝑡</m:t>
+                                  </m:r>
+                                  <m:r>
+                                    <a:rPr lang="en-US" sz="3200" i="1">
+                                      <a:latin typeface="Cambria Math" panose="02040503050406030204" pitchFamily="18" charset="0"/>
+                                    </a:rPr>
+                                    <m:t>  ,  </m:t>
+                                  </m:r>
+                                  <m:d>
+                                    <m:dPr>
+                                      <m:ctrlPr>
+                                        <a:rPr lang="en-US" sz="3200" i="1">
+                                          <a:latin typeface="Cambria Math" panose="02040503050406030204" pitchFamily="18" charset="0"/>
+                                        </a:rPr>
+                                      </m:ctrlPr>
+                                    </m:dPr>
+                                    <m:e>
+                                      <m:r>
+                                        <a:rPr lang="en-US" sz="3200" i="1">
+                                          <a:latin typeface="Cambria Math" panose="02040503050406030204" pitchFamily="18" charset="0"/>
+                                        </a:rPr>
+                                        <m:t>𝑖</m:t>
+                                      </m:r>
+                                      <m:r>
+                                        <a:rPr lang="en-US" sz="3200" i="1">
+                                          <a:latin typeface="Cambria Math" panose="02040503050406030204" pitchFamily="18" charset="0"/>
+                                        </a:rPr>
+                                        <m:t>+1</m:t>
+                                      </m:r>
+                                    </m:e>
+                                  </m:d>
+                                  <m:r>
+                                    <a:rPr lang="en-US" sz="3200" b="0" i="1" smtClean="0">
+                                      <a:latin typeface="Cambria Math" panose="02040503050406030204" pitchFamily="18" charset="0"/>
+                                    </a:rPr>
+                                    <m:t>𝑡</m:t>
+                                  </m:r>
+                                </m:e>
+                              </m:d>
+                            </m:sub>
+                          </m:sSub>
+                          <m:r>
+                            <a:rPr lang="en-US" sz="3200" b="0" i="1" smtClean="0">
+                              <a:latin typeface="Cambria Math" panose="02040503050406030204" pitchFamily="18" charset="0"/>
+                            </a:rPr>
+                            <m:t> </m:t>
+                          </m:r>
+                          <m:r>
+                            <m:rPr>
+                              <m:nor/>
+                            </m:rPr>
+                            <a:rPr lang="en-US" sz="3200" dirty="0"/>
+                            <m:t> </m:t>
+                          </m:r>
+                        </m:e>
+                      </m:nary>
+                      <m:r>
+                        <a:rPr lang="en-US" sz="3200" b="0" i="1" smtClean="0">
+                          <a:latin typeface="Cambria Math" panose="02040503050406030204" pitchFamily="18" charset="0"/>
+                        </a:rPr>
+                        <m:t>       ,  </m:t>
+                      </m:r>
+                      <m:r>
+                        <a:rPr lang="en-US" sz="3200" b="0" i="1" smtClean="0">
+                          <a:latin typeface="Cambria Math" panose="02040503050406030204" pitchFamily="18" charset="0"/>
+                        </a:rPr>
+                        <m:t>𝑡</m:t>
+                      </m:r>
+                      <m:r>
+                        <a:rPr lang="en-US" sz="3200" b="0" i="1" smtClean="0">
+                          <a:latin typeface="Cambria Math" panose="02040503050406030204" pitchFamily="18" charset="0"/>
+                        </a:rPr>
+                        <m:t>=1,2,3,4,5,6,7 </m:t>
+                      </m:r>
+                    </m:oMath>
+                  </m:oMathPara>
+                </a14:m>
+                <a:endParaRPr lang="en-US" sz="3200" dirty="0"/>
+              </a:p>
+            </p:txBody>
+          </p:sp>
+        </mc:Choice>
+        <mc:Fallback>
+          <p:sp>
+            <p:nvSpPr>
+              <p:cNvPr id="8" name="TextBox 7">
+                <a:extLst>
+                  <a:ext uri="{FF2B5EF4-FFF2-40B4-BE49-F238E27FC236}">
+                    <a16:creationId xmlns:a16="http://schemas.microsoft.com/office/drawing/2014/main" id="{764199BA-4A73-9662-E0FB-74BC79DDE4A6}"/>
+                  </a:ext>
+                </a:extLst>
+              </p:cNvPr>
+              <p:cNvSpPr txBox="1">
+                <a:spLocks noRot="1" noChangeAspect="1" noMove="1" noResize="1" noEditPoints="1" noAdjustHandles="1" noChangeArrowheads="1" noChangeShapeType="1" noTextEdit="1"/>
+              </p:cNvSpPr>
+              <p:nvPr/>
+            </p:nvSpPr>
+            <p:spPr>
+              <a:xfrm>
+                <a:off x="1361778" y="5283684"/>
+                <a:ext cx="8372677" cy="1384866"/>
+              </a:xfrm>
+              <a:prstGeom prst="rect">
+                <a:avLst/>
+              </a:prstGeom>
+              <a:blipFill>
+                <a:blip r:embed="rId4"/>
+                <a:stretch>
+                  <a:fillRect/>
+                </a:stretch>
+              </a:blipFill>
+            </p:spPr>
+            <p:txBody>
+              <a:bodyPr/>
+              <a:lstStyle/>
+              <a:p>
+                <a:r>
+                  <a:rPr lang="en-US">
+                    <a:noFill/>
+                  </a:rPr>
+                  <a:t> </a:t>
+                </a:r>
+              </a:p>
+            </p:txBody>
+          </p:sp>
+        </mc:Fallback>
+      </mc:AlternateContent>
+      <p:sp>
+        <p:nvSpPr>
+          <p:cNvPr id="9" name="TextBox 8">
+            <a:extLst>
+              <a:ext uri="{FF2B5EF4-FFF2-40B4-BE49-F238E27FC236}">
+                <a16:creationId xmlns:a16="http://schemas.microsoft.com/office/drawing/2014/main" id="{862789A4-D93F-3736-E29E-545E31093BF5}"/>
+              </a:ext>
+            </a:extLst>
+          </p:cNvPr>
+          <p:cNvSpPr txBox="1"/>
+          <p:nvPr/>
+        </p:nvSpPr>
+        <p:spPr>
+          <a:xfrm>
+            <a:off x="294439" y="189450"/>
+            <a:ext cx="1420582" cy="830997"/>
+          </a:xfrm>
+          <a:prstGeom prst="rect">
+            <a:avLst/>
+          </a:prstGeom>
+          <a:noFill/>
+        </p:spPr>
+        <p:txBody>
+          <a:bodyPr wrap="none" rtlCol="0">
+            <a:spAutoFit/>
+          </a:bodyPr>
+          <a:lstStyle/>
+          <a:p>
+            <a:r>
+              <a:rPr lang="en-US" sz="4800" b="1" dirty="0"/>
+              <a:t>CPU</a:t>
+            </a:r>
+          </a:p>
+        </p:txBody>
+      </p:sp>
+      <p:sp>
+        <p:nvSpPr>
+          <p:cNvPr id="10" name="TextBox 9">
+            <a:extLst>
+              <a:ext uri="{FF2B5EF4-FFF2-40B4-BE49-F238E27FC236}">
+                <a16:creationId xmlns:a16="http://schemas.microsoft.com/office/drawing/2014/main" id="{72562208-3339-C83F-916E-7C1D1C21D46C}"/>
+              </a:ext>
+            </a:extLst>
+          </p:cNvPr>
+          <p:cNvSpPr txBox="1"/>
+          <p:nvPr/>
+        </p:nvSpPr>
+        <p:spPr>
+          <a:xfrm>
+            <a:off x="8193024" y="2375668"/>
+            <a:ext cx="3456432" cy="1200329"/>
+          </a:xfrm>
+          <a:prstGeom prst="rect">
+            <a:avLst/>
+          </a:prstGeom>
+          <a:noFill/>
+        </p:spPr>
+        <p:txBody>
+          <a:bodyPr wrap="square" rtlCol="0">
+            <a:spAutoFit/>
+          </a:bodyPr>
+          <a:lstStyle/>
+          <a:p>
+            <a:pPr algn="just"/>
+            <a:r>
+              <a:rPr lang="en-US" b="1" dirty="0"/>
+              <a:t>When the formula does not result in the explosion of the width of the computation graph we outperform STLCG++</a:t>
+            </a:r>
+          </a:p>
+        </p:txBody>
+      </p:sp>
+    </p:spTree>
+    <p:extLst>
+      <p:ext uri="{BB962C8B-B14F-4D97-AF65-F5344CB8AC3E}">
+        <p14:creationId xmlns:p14="http://schemas.microsoft.com/office/powerpoint/2010/main" val="2029861049"/>
+      </p:ext>
+    </p:extLst>
+  </p:cSld>
+  <p:clrMapOvr>
+    <a:masterClrMapping/>
+  </p:clrMapOvr>
+</p:sld>
+</file>
+
+<file path=ppt/slides/slide2.xml><?xml version="1.0" encoding="utf-8"?>
+<p:sld xmlns:a="http://schemas.openxmlformats.org/drawingml/2006/main" xmlns:r="http://schemas.openxmlformats.org/officeDocument/2006/relationships" xmlns:p="http://schemas.openxmlformats.org/presentationml/2006/main">
+  <p:cSld>
+    <p:spTree>
+      <p:nvGrpSpPr>
+        <p:cNvPr id="1" name=""/>
+        <p:cNvGrpSpPr/>
+        <p:nvPr/>
+      </p:nvGrpSpPr>
+      <p:grpSpPr>
+        <a:xfrm>
+          <a:off x="0" y="0"/>
+          <a:ext cx="0" cy="0"/>
+          <a:chOff x="0" y="0"/>
+          <a:chExt cx="0" cy="0"/>
+        </a:xfrm>
+      </p:grpSpPr>
+      <mc:AlternateContent xmlns:mc="http://schemas.openxmlformats.org/markup-compatibility/2006">
+        <mc:Choice xmlns:a14="http://schemas.microsoft.com/office/drawing/2010/main" Requires="a14">
+          <p:sp>
+            <p:nvSpPr>
+              <p:cNvPr id="6" name="TextBox 5">
+                <a:extLst>
+                  <a:ext uri="{FF2B5EF4-FFF2-40B4-BE49-F238E27FC236}">
+                    <a16:creationId xmlns:a16="http://schemas.microsoft.com/office/drawing/2014/main" id="{0477C065-92C2-2FB1-A53A-B55C47174AE0}"/>
+                  </a:ext>
+                </a:extLst>
+              </p:cNvPr>
+              <p:cNvSpPr txBox="1"/>
+              <p:nvPr/>
+            </p:nvSpPr>
+            <p:spPr>
+              <a:xfrm>
+                <a:off x="858858" y="5788488"/>
+                <a:ext cx="9844554" cy="527580"/>
+              </a:xfrm>
+              <a:prstGeom prst="rect">
+                <a:avLst/>
+              </a:prstGeom>
+              <a:noFill/>
+            </p:spPr>
+            <p:txBody>
+              <a:bodyPr wrap="none" lIns="0" tIns="0" rIns="0" bIns="0" rtlCol="0">
+                <a:spAutoFit/>
+              </a:bodyPr>
+              <a:lstStyle/>
+              <a:p>
+                <a14:m>
+                  <m:oMathPara xmlns:m="http://schemas.openxmlformats.org/officeDocument/2006/math">
+                    <m:oMathParaPr>
+                      <m:jc m:val="centerGroup"/>
+                    </m:oMathParaPr>
+                    <m:oMath xmlns:m="http://schemas.openxmlformats.org/officeDocument/2006/math">
+                      <m:sSub>
+                        <m:sSubPr>
+                          <m:ctrlPr>
+                            <a:rPr lang="en-US" sz="3200" b="0" i="1" smtClean="0">
+                              <a:latin typeface="Cambria Math" panose="02040503050406030204" pitchFamily="18" charset="0"/>
+                            </a:rPr>
+                          </m:ctrlPr>
+                        </m:sSubPr>
+                        <m:e>
+                          <m:r>
+                            <a:rPr lang="en-US" sz="3200" b="0" i="1" smtClean="0">
+                              <a:latin typeface="Cambria Math" panose="02040503050406030204" pitchFamily="18" charset="0"/>
+                            </a:rPr>
+                            <m:t>𝜑</m:t>
+                          </m:r>
+                        </m:e>
+                        <m:sub>
+                          <m:r>
+                            <a:rPr lang="en-US" sz="3200" b="0" i="1" smtClean="0">
+                              <a:latin typeface="Cambria Math" panose="02040503050406030204" pitchFamily="18" charset="0"/>
+                            </a:rPr>
+                            <m:t>1</m:t>
+                          </m:r>
+                        </m:sub>
+                      </m:sSub>
+                      <m:r>
+                        <a:rPr lang="en-US" sz="3200" b="0" i="1" smtClean="0">
+                          <a:latin typeface="Cambria Math" panose="02040503050406030204" pitchFamily="18" charset="0"/>
+                        </a:rPr>
+                        <m:t>=</m:t>
+                      </m:r>
+                      <m:sSub>
+                        <m:sSubPr>
+                          <m:ctrlPr>
+                            <a:rPr lang="en-US" sz="3200" b="0" i="1" smtClean="0">
+                              <a:latin typeface="Cambria Math" panose="02040503050406030204" pitchFamily="18" charset="0"/>
+                            </a:rPr>
+                          </m:ctrlPr>
+                        </m:sSubPr>
+                        <m:e>
+                          <m:r>
+                            <a:rPr lang="en-US" sz="3200" b="0" i="1" smtClean="0">
+                              <a:latin typeface="Cambria Math" panose="02040503050406030204" pitchFamily="18" charset="0"/>
+                            </a:rPr>
+                            <m:t>𝐹</m:t>
+                          </m:r>
+                        </m:e>
+                        <m:sub>
+                          <m:d>
+                            <m:dPr>
+                              <m:begChr m:val="["/>
+                              <m:endChr m:val="]"/>
+                              <m:ctrlPr>
+                                <a:rPr lang="en-US" sz="3200" b="0" i="1" smtClean="0">
+                                  <a:latin typeface="Cambria Math" panose="02040503050406030204" pitchFamily="18" charset="0"/>
+                                </a:rPr>
+                              </m:ctrlPr>
+                            </m:dPr>
+                            <m:e>
+                              <m:r>
+                                <a:rPr lang="en-US" sz="3200" b="0" i="1" smtClean="0">
+                                  <a:latin typeface="Cambria Math" panose="02040503050406030204" pitchFamily="18" charset="0"/>
+                                </a:rPr>
+                                <m:t>0,</m:t>
+                              </m:r>
+                              <m:r>
+                                <a:rPr lang="en-US" sz="3200" b="0" i="1" smtClean="0">
+                                  <a:latin typeface="Cambria Math" panose="02040503050406030204" pitchFamily="18" charset="0"/>
+                                </a:rPr>
+                                <m:t>𝑇</m:t>
+                              </m:r>
+                            </m:e>
+                          </m:d>
+                        </m:sub>
+                      </m:sSub>
+                      <m:r>
+                        <a:rPr lang="en-US" sz="3200" b="0" i="1" smtClean="0">
+                          <a:latin typeface="Cambria Math" panose="02040503050406030204" pitchFamily="18" charset="0"/>
+                        </a:rPr>
+                        <m:t> </m:t>
+                      </m:r>
+                      <m:d>
+                        <m:dPr>
+                          <m:ctrlPr>
+                            <a:rPr lang="en-US" sz="3200" b="0" i="1" smtClean="0">
+                              <a:latin typeface="Cambria Math" panose="02040503050406030204" pitchFamily="18" charset="0"/>
+                            </a:rPr>
+                          </m:ctrlPr>
+                        </m:dPr>
+                        <m:e>
+                          <m:r>
+                            <a:rPr lang="en-US" sz="3200" b="0" i="1" smtClean="0">
+                              <a:latin typeface="Cambria Math" panose="02040503050406030204" pitchFamily="18" charset="0"/>
+                            </a:rPr>
+                            <m:t> </m:t>
+                          </m:r>
+                          <m:r>
+                            <m:rPr>
+                              <m:sty m:val="p"/>
+                            </m:rPr>
+                            <a:rPr lang="en-US" sz="3200" b="0" i="0" smtClean="0">
+                              <a:latin typeface="Cambria Math" panose="02040503050406030204" pitchFamily="18" charset="0"/>
+                            </a:rPr>
+                            <m:t>Goal</m:t>
+                          </m:r>
+                          <m:r>
+                            <a:rPr lang="en-US" sz="3200" b="0" i="0" smtClean="0">
+                              <a:latin typeface="Cambria Math" panose="02040503050406030204" pitchFamily="18" charset="0"/>
+                            </a:rPr>
+                            <m:t>1  </m:t>
+                          </m:r>
+                          <m:r>
+                            <m:rPr>
+                              <m:sty m:val="p"/>
+                            </m:rPr>
+                            <a:rPr lang="en-US" sz="3200" b="0" i="0" smtClean="0">
+                              <a:solidFill>
+                                <a:srgbClr val="FF0000"/>
+                              </a:solidFill>
+                              <a:latin typeface="Cambria Math" panose="02040503050406030204" pitchFamily="18" charset="0"/>
+                            </a:rPr>
+                            <m:t>then</m:t>
+                          </m:r>
+                          <m:r>
+                            <a:rPr lang="en-US" sz="3200" b="0" i="0" smtClean="0">
+                              <a:solidFill>
+                                <a:srgbClr val="FF0000"/>
+                              </a:solidFill>
+                              <a:latin typeface="Cambria Math" panose="02040503050406030204" pitchFamily="18" charset="0"/>
+                            </a:rPr>
+                            <m:t> </m:t>
+                          </m:r>
+                          <m:r>
+                            <m:rPr>
+                              <m:sty m:val="p"/>
+                            </m:rPr>
+                            <a:rPr lang="en-US" sz="3200" b="0" i="0" smtClean="0">
+                              <a:latin typeface="Cambria Math" panose="02040503050406030204" pitchFamily="18" charset="0"/>
+                            </a:rPr>
+                            <m:t>Goal</m:t>
+                          </m:r>
+                          <m:r>
+                            <a:rPr lang="en-US" sz="3200" b="0" i="0" smtClean="0">
+                              <a:latin typeface="Cambria Math" panose="02040503050406030204" pitchFamily="18" charset="0"/>
+                            </a:rPr>
+                            <m:t>2</m:t>
+                          </m:r>
+                        </m:e>
+                      </m:d>
+                      <m:r>
+                        <a:rPr lang="en-US" sz="3200" b="0" i="1" smtClean="0">
+                          <a:latin typeface="Cambria Math" panose="02040503050406030204" pitchFamily="18" charset="0"/>
+                        </a:rPr>
+                        <m:t>,  </m:t>
+                      </m:r>
+                      <m:r>
+                        <a:rPr lang="en-US" sz="3200" b="0" i="1" smtClean="0">
+                          <a:latin typeface="Cambria Math" panose="02040503050406030204" pitchFamily="18" charset="0"/>
+                        </a:rPr>
+                        <m:t>𝑇</m:t>
+                      </m:r>
+                      <m:r>
+                        <a:rPr lang="en-US" sz="3200" b="0" i="1" smtClean="0">
+                          <a:latin typeface="Cambria Math" panose="02040503050406030204" pitchFamily="18" charset="0"/>
+                        </a:rPr>
+                        <m:t>=15,20,…, 255</m:t>
+                      </m:r>
+                    </m:oMath>
+                  </m:oMathPara>
+                </a14:m>
+                <a:endParaRPr lang="en-US" sz="3200" dirty="0"/>
+              </a:p>
+            </p:txBody>
+          </p:sp>
+        </mc:Choice>
+        <mc:Fallback>
+          <p:sp>
+            <p:nvSpPr>
+              <p:cNvPr id="6" name="TextBox 5">
+                <a:extLst>
+                  <a:ext uri="{FF2B5EF4-FFF2-40B4-BE49-F238E27FC236}">
+                    <a16:creationId xmlns:a16="http://schemas.microsoft.com/office/drawing/2014/main" id="{0477C065-92C2-2FB1-A53A-B55C47174AE0}"/>
+                  </a:ext>
+                </a:extLst>
+              </p:cNvPr>
+              <p:cNvSpPr txBox="1">
+                <a:spLocks noRot="1" noChangeAspect="1" noMove="1" noResize="1" noEditPoints="1" noAdjustHandles="1" noChangeArrowheads="1" noChangeShapeType="1" noTextEdit="1"/>
+              </p:cNvSpPr>
+              <p:nvPr/>
+            </p:nvSpPr>
+            <p:spPr>
+              <a:xfrm>
+                <a:off x="858858" y="5788488"/>
+                <a:ext cx="9844554" cy="527580"/>
+              </a:xfrm>
+              <a:prstGeom prst="rect">
+                <a:avLst/>
+              </a:prstGeom>
+              <a:blipFill>
+                <a:blip r:embed="rId2"/>
+                <a:stretch>
+                  <a:fillRect/>
+                </a:stretch>
+              </a:blipFill>
+            </p:spPr>
+            <p:txBody>
+              <a:bodyPr/>
+              <a:lstStyle/>
+              <a:p>
+                <a:r>
+                  <a:rPr lang="en-US">
+                    <a:noFill/>
+                  </a:rPr>
+                  <a:t> </a:t>
+                </a:r>
+              </a:p>
+            </p:txBody>
+          </p:sp>
+        </mc:Fallback>
+      </mc:AlternateContent>
+      <p:sp>
+        <p:nvSpPr>
+          <p:cNvPr id="7" name="TextBox 6">
+            <a:extLst>
+              <a:ext uri="{FF2B5EF4-FFF2-40B4-BE49-F238E27FC236}">
+                <a16:creationId xmlns:a16="http://schemas.microsoft.com/office/drawing/2014/main" id="{ABB2206E-5837-C6ED-F5B9-0293E9742703}"/>
+              </a:ext>
+            </a:extLst>
+          </p:cNvPr>
+          <p:cNvSpPr txBox="1"/>
+          <p:nvPr/>
+        </p:nvSpPr>
+        <p:spPr>
+          <a:xfrm>
+            <a:off x="8366760" y="2572478"/>
+            <a:ext cx="3456432" cy="1200329"/>
+          </a:xfrm>
+          <a:prstGeom prst="rect">
+            <a:avLst/>
+          </a:prstGeom>
+          <a:noFill/>
+        </p:spPr>
+        <p:txBody>
+          <a:bodyPr wrap="square" rtlCol="0">
+            <a:spAutoFit/>
+          </a:bodyPr>
+          <a:lstStyle/>
+          <a:p>
+            <a:pPr algn="just"/>
+            <a:r>
+              <a:rPr lang="en-US" b="1" dirty="0"/>
+              <a:t>When the formula does not result in the explosion of the width of the computation graph we outperform STLCG++</a:t>
+            </a:r>
+          </a:p>
+        </p:txBody>
+      </p:sp>
+      <p:sp>
+        <p:nvSpPr>
+          <p:cNvPr id="8" name="TextBox 7">
+            <a:extLst>
+              <a:ext uri="{FF2B5EF4-FFF2-40B4-BE49-F238E27FC236}">
+                <a16:creationId xmlns:a16="http://schemas.microsoft.com/office/drawing/2014/main" id="{522944D6-D9B6-9EDF-A46C-906CB7847738}"/>
+              </a:ext>
+            </a:extLst>
+          </p:cNvPr>
+          <p:cNvSpPr txBox="1"/>
+          <p:nvPr/>
+        </p:nvSpPr>
+        <p:spPr>
+          <a:xfrm>
+            <a:off x="294439" y="189450"/>
+            <a:ext cx="1420582" cy="830997"/>
+          </a:xfrm>
+          <a:prstGeom prst="rect">
+            <a:avLst/>
+          </a:prstGeom>
+          <a:noFill/>
+        </p:spPr>
+        <p:txBody>
+          <a:bodyPr wrap="none" rtlCol="0">
+            <a:spAutoFit/>
+          </a:bodyPr>
+          <a:lstStyle/>
+          <a:p>
+            <a:r>
+              <a:rPr lang="en-US" sz="4800" b="1" dirty="0"/>
+              <a:t>CPU</a:t>
+            </a:r>
+          </a:p>
+        </p:txBody>
+      </p:sp>
+      <p:pic>
+        <p:nvPicPr>
+          <p:cNvPr id="10" name="Picture 9" descr="A graph of different colored lines&#10;&#10;AI-generated content may be incorrect.">
+            <a:extLst>
+              <a:ext uri="{FF2B5EF4-FFF2-40B4-BE49-F238E27FC236}">
+                <a16:creationId xmlns:a16="http://schemas.microsoft.com/office/drawing/2014/main" id="{3452B4E0-C373-F520-496D-A0D4FF4E4C2A}"/>
+              </a:ext>
+            </a:extLst>
+          </p:cNvPr>
+          <p:cNvPicPr>
+            <a:picLocks noChangeAspect="1"/>
+          </p:cNvPicPr>
+          <p:nvPr/>
+        </p:nvPicPr>
+        <p:blipFill>
+          <a:blip r:embed="rId3">
             <a:extLst>
               <a:ext uri="{28A0092B-C50C-407E-A947-70E740481C1C}">
                 <a14:useLocalDpi xmlns:a14="http://schemas.microsoft.com/office/drawing/2010/main" val="0"/>
@@ -3349,375 +4175,811 @@
         </p:blipFill>
         <p:spPr>
           <a:xfrm>
-            <a:off x="78061" y="95626"/>
-            <a:ext cx="12048191" cy="6726519"/>
+            <a:off x="744717" y="1311323"/>
+            <a:ext cx="7484257" cy="3722638"/>
           </a:xfrm>
           <a:prstGeom prst="rect">
             <a:avLst/>
           </a:prstGeom>
         </p:spPr>
       </p:pic>
-      <p:grpSp>
-        <p:nvGrpSpPr>
-          <p:cNvPr id="11" name="Group 10">
-            <a:extLst>
-              <a:ext uri="{FF2B5EF4-FFF2-40B4-BE49-F238E27FC236}">
-                <a16:creationId xmlns:a16="http://schemas.microsoft.com/office/drawing/2014/main" id="{FD16BEB0-B626-C346-B5EA-6CC98042AA93}"/>
-              </a:ext>
-            </a:extLst>
-          </p:cNvPr>
-          <p:cNvGrpSpPr/>
-          <p:nvPr/>
-        </p:nvGrpSpPr>
-        <p:grpSpPr>
-          <a:xfrm>
-            <a:off x="4647518" y="2335522"/>
-            <a:ext cx="5556738" cy="2956399"/>
-            <a:chOff x="3579222" y="4659828"/>
-            <a:chExt cx="2632047" cy="1191685"/>
-          </a:xfrm>
-        </p:grpSpPr>
-        <p:cxnSp>
-          <p:nvCxnSpPr>
-            <p:cNvPr id="5" name="Straight Arrow Connector 4">
-              <a:extLst>
-                <a:ext uri="{FF2B5EF4-FFF2-40B4-BE49-F238E27FC236}">
-                  <a16:creationId xmlns:a16="http://schemas.microsoft.com/office/drawing/2014/main" id="{6030C841-684B-7A32-3FCC-14547FA64351}"/>
-                </a:ext>
-              </a:extLst>
-            </p:cNvPr>
-            <p:cNvCxnSpPr>
-              <a:cxnSpLocks/>
-            </p:cNvCxnSpPr>
-            <p:nvPr/>
-          </p:nvCxnSpPr>
-          <p:spPr>
-            <a:xfrm flipH="1">
-              <a:off x="4968056" y="4970964"/>
-              <a:ext cx="51883" cy="393022"/>
-            </a:xfrm>
-            <a:prstGeom prst="straightConnector1">
-              <a:avLst/>
-            </a:prstGeom>
-            <a:ln w="50800">
-              <a:solidFill>
-                <a:srgbClr val="0070C0"/>
-              </a:solidFill>
-              <a:tailEnd type="triangle"/>
-            </a:ln>
-          </p:spPr>
-          <p:style>
-            <a:lnRef idx="1">
-              <a:schemeClr val="accent1"/>
-            </a:lnRef>
-            <a:fillRef idx="0">
-              <a:schemeClr val="accent1"/>
-            </a:fillRef>
-            <a:effectRef idx="0">
-              <a:schemeClr val="accent1"/>
-            </a:effectRef>
-            <a:fontRef idx="minor">
-              <a:schemeClr val="tx1"/>
-            </a:fontRef>
-          </p:style>
-        </p:cxnSp>
-        <p:cxnSp>
-          <p:nvCxnSpPr>
-            <p:cNvPr id="6" name="Straight Arrow Connector 5">
-              <a:extLst>
-                <a:ext uri="{FF2B5EF4-FFF2-40B4-BE49-F238E27FC236}">
-                  <a16:creationId xmlns:a16="http://schemas.microsoft.com/office/drawing/2014/main" id="{69944869-3BBA-BA85-9FAB-28BB7CD3A249}"/>
-                </a:ext>
-              </a:extLst>
-            </p:cNvPr>
-            <p:cNvCxnSpPr>
-              <a:cxnSpLocks/>
-            </p:cNvCxnSpPr>
-            <p:nvPr/>
-          </p:nvCxnSpPr>
-          <p:spPr>
-            <a:xfrm flipH="1" flipV="1">
-              <a:off x="5371772" y="5351613"/>
-              <a:ext cx="275976" cy="247322"/>
-            </a:xfrm>
-            <a:prstGeom prst="straightConnector1">
-              <a:avLst/>
-            </a:prstGeom>
-            <a:ln w="50800">
-              <a:solidFill>
-                <a:srgbClr val="C00000"/>
-              </a:solidFill>
-              <a:tailEnd type="triangle"/>
-            </a:ln>
-          </p:spPr>
-          <p:style>
-            <a:lnRef idx="1">
-              <a:schemeClr val="accent1"/>
-            </a:lnRef>
-            <a:fillRef idx="0">
-              <a:schemeClr val="accent1"/>
-            </a:fillRef>
-            <a:effectRef idx="0">
-              <a:schemeClr val="accent1"/>
-            </a:effectRef>
-            <a:fontRef idx="minor">
-              <a:schemeClr val="tx1"/>
-            </a:fontRef>
-          </p:style>
-        </p:cxnSp>
-        <p:cxnSp>
-          <p:nvCxnSpPr>
-            <p:cNvPr id="7" name="Straight Arrow Connector 6">
-              <a:extLst>
-                <a:ext uri="{FF2B5EF4-FFF2-40B4-BE49-F238E27FC236}">
-                  <a16:creationId xmlns:a16="http://schemas.microsoft.com/office/drawing/2014/main" id="{C1C552AC-490B-79AE-B3A6-B37BFF96E823}"/>
-                </a:ext>
-              </a:extLst>
-            </p:cNvPr>
-            <p:cNvCxnSpPr>
-              <a:cxnSpLocks/>
-            </p:cNvCxnSpPr>
-            <p:nvPr/>
-          </p:nvCxnSpPr>
-          <p:spPr>
-            <a:xfrm>
-              <a:off x="4265319" y="5320569"/>
-              <a:ext cx="444635" cy="281456"/>
-            </a:xfrm>
-            <a:prstGeom prst="straightConnector1">
-              <a:avLst/>
-            </a:prstGeom>
-            <a:ln w="50800">
-              <a:solidFill>
-                <a:srgbClr val="F1960F"/>
-              </a:solidFill>
-              <a:tailEnd type="triangle"/>
-            </a:ln>
-          </p:spPr>
-          <p:style>
-            <a:lnRef idx="1">
-              <a:schemeClr val="accent1"/>
-            </a:lnRef>
-            <a:fillRef idx="0">
-              <a:schemeClr val="accent1"/>
-            </a:fillRef>
-            <a:effectRef idx="0">
-              <a:schemeClr val="accent1"/>
-            </a:effectRef>
-            <a:fontRef idx="minor">
-              <a:schemeClr val="tx1"/>
-            </a:fontRef>
-          </p:style>
-        </p:cxnSp>
-        <p:sp>
-          <p:nvSpPr>
-            <p:cNvPr id="8" name="TextBox 7">
-              <a:extLst>
-                <a:ext uri="{FF2B5EF4-FFF2-40B4-BE49-F238E27FC236}">
-                  <a16:creationId xmlns:a16="http://schemas.microsoft.com/office/drawing/2014/main" id="{EEC83FC4-0460-7DA1-E207-5C2AEC79AD9C}"/>
-                </a:ext>
-              </a:extLst>
-            </p:cNvPr>
-            <p:cNvSpPr txBox="1"/>
-            <p:nvPr/>
-          </p:nvSpPr>
-          <p:spPr>
-            <a:xfrm>
-              <a:off x="3579222" y="5125888"/>
-              <a:ext cx="750259" cy="310151"/>
-            </a:xfrm>
-            <a:prstGeom prst="rect">
-              <a:avLst/>
-            </a:prstGeom>
-            <a:noFill/>
-          </p:spPr>
-          <p:txBody>
-            <a:bodyPr wrap="square" rtlCol="0">
-              <a:spAutoFit/>
-            </a:bodyPr>
-            <a:lstStyle/>
-            <a:p>
-              <a:r>
-                <a:rPr lang="en-US" sz="4400" b="1" dirty="0">
-                  <a:solidFill>
-                    <a:srgbClr val="F1960F"/>
-                  </a:solidFill>
-                  <a:latin typeface="Franklin Gothic Demi         "/>
-                </a:rPr>
-                <a:t>ReLU</a:t>
-              </a:r>
-            </a:p>
-          </p:txBody>
-        </p:sp>
-        <p:sp>
-          <p:nvSpPr>
-            <p:cNvPr id="9" name="TextBox 8">
-              <a:extLst>
-                <a:ext uri="{FF2B5EF4-FFF2-40B4-BE49-F238E27FC236}">
-                  <a16:creationId xmlns:a16="http://schemas.microsoft.com/office/drawing/2014/main" id="{E44CE936-8D96-1D8E-F94C-3A8281576B89}"/>
-                </a:ext>
-              </a:extLst>
-            </p:cNvPr>
-            <p:cNvSpPr txBox="1"/>
-            <p:nvPr/>
-          </p:nvSpPr>
-          <p:spPr>
-            <a:xfrm>
-              <a:off x="4468989" y="4659828"/>
-              <a:ext cx="1148387" cy="310151"/>
-            </a:xfrm>
-            <a:prstGeom prst="rect">
-              <a:avLst/>
-            </a:prstGeom>
-            <a:noFill/>
-          </p:spPr>
-          <p:txBody>
-            <a:bodyPr wrap="square" rtlCol="0">
-              <a:spAutoFit/>
-            </a:bodyPr>
-            <a:lstStyle/>
-            <a:p>
-              <a:r>
-                <a:rPr lang="en-US" sz="4400" b="1" dirty="0">
-                  <a:solidFill>
-                    <a:srgbClr val="0070C0"/>
-                  </a:solidFill>
-                  <a:latin typeface="Franklin Gothic Demi         "/>
-                </a:rPr>
-                <a:t>softplus</a:t>
-              </a:r>
-            </a:p>
-          </p:txBody>
-        </p:sp>
-        <p:sp>
-          <p:nvSpPr>
-            <p:cNvPr id="10" name="TextBox 9">
-              <a:extLst>
-                <a:ext uri="{FF2B5EF4-FFF2-40B4-BE49-F238E27FC236}">
-                  <a16:creationId xmlns:a16="http://schemas.microsoft.com/office/drawing/2014/main" id="{F7F9C76F-5E6E-2C28-5BF1-A95DA578BC18}"/>
-                </a:ext>
-              </a:extLst>
-            </p:cNvPr>
-            <p:cNvSpPr txBox="1"/>
-            <p:nvPr/>
-          </p:nvSpPr>
-          <p:spPr>
-            <a:xfrm>
-              <a:off x="5366934" y="5541362"/>
-              <a:ext cx="844335" cy="310151"/>
-            </a:xfrm>
-            <a:prstGeom prst="rect">
-              <a:avLst/>
-            </a:prstGeom>
-            <a:noFill/>
-          </p:spPr>
-          <p:txBody>
-            <a:bodyPr wrap="square" rtlCol="0">
-              <a:spAutoFit/>
-            </a:bodyPr>
-            <a:lstStyle/>
-            <a:p>
-              <a:r>
-                <a:rPr lang="en-US" sz="4400" b="1" dirty="0">
-                  <a:solidFill>
-                    <a:srgbClr val="C00000"/>
-                  </a:solidFill>
-                  <a:latin typeface="Franklin Gothic Demi         "/>
-                </a:rPr>
-                <a:t>swish</a:t>
-              </a:r>
-            </a:p>
-          </p:txBody>
-        </p:sp>
-      </p:grpSp>
     </p:spTree>
     <p:extLst>
       <p:ext uri="{BB962C8B-B14F-4D97-AF65-F5344CB8AC3E}">
-        <p14:creationId xmlns:p14="http://schemas.microsoft.com/office/powerpoint/2010/main" val="2303467970"/>
+        <p14:creationId xmlns:p14="http://schemas.microsoft.com/office/powerpoint/2010/main" val="1588702050"/>
       </p:ext>
     </p:extLst>
   </p:cSld>
   <p:clrMapOvr>
     <a:masterClrMapping/>
   </p:clrMapOvr>
-  <p:timing>
-    <p:tnLst>
-      <p:par>
-        <p:cTn id="1" dur="indefinite" restart="never" nodeType="tmRoot">
-          <p:childTnLst>
-            <p:seq concurrent="1" nextAc="seek">
-              <p:cTn id="2" dur="indefinite" nodeType="mainSeq">
-                <p:childTnLst>
-                  <p:par>
-                    <p:cTn id="3" fill="hold">
-                      <p:stCondLst>
-                        <p:cond delay="indefinite"/>
-                        <p:cond evt="onBegin" delay="0">
-                          <p:tn val="2"/>
-                        </p:cond>
-                      </p:stCondLst>
-                      <p:childTnLst>
-                        <p:par>
-                          <p:cTn id="4" fill="hold">
-                            <p:stCondLst>
-                              <p:cond delay="0"/>
-                            </p:stCondLst>
-                            <p:childTnLst>
-                              <p:par>
-                                <p:cTn id="5" presetID="1" presetClass="entr" presetSubtype="0" fill="hold" nodeType="withEffect">
-                                  <p:stCondLst>
-                                    <p:cond delay="0"/>
-                                  </p:stCondLst>
-                                  <p:childTnLst>
-                                    <p:set>
-                                      <p:cBhvr>
-                                        <p:cTn id="6" dur="1" fill="hold">
-                                          <p:stCondLst>
-                                            <p:cond delay="0"/>
-                                          </p:stCondLst>
-                                        </p:cTn>
-                                        <p:tgtEl>
-                                          <p:spTgt spid="4"/>
-                                        </p:tgtEl>
-                                        <p:attrNameLst>
-                                          <p:attrName>style.visibility</p:attrName>
-                                        </p:attrNameLst>
-                                      </p:cBhvr>
-                                      <p:to>
-                                        <p:strVal val="visible"/>
-                                      </p:to>
-                                    </p:set>
-                                  </p:childTnLst>
-                                </p:cTn>
-                              </p:par>
-                            </p:childTnLst>
-                          </p:cTn>
-                        </p:par>
-                      </p:childTnLst>
-                    </p:cTn>
-                  </p:par>
-                </p:childTnLst>
-              </p:cTn>
-              <p:prevCondLst>
-                <p:cond evt="onPrev" delay="0">
-                  <p:tgtEl>
-                    <p:sldTgt/>
-                  </p:tgtEl>
-                </p:cond>
-              </p:prevCondLst>
-              <p:nextCondLst>
-                <p:cond evt="onNext" delay="0">
-                  <p:tgtEl>
-                    <p:sldTgt/>
-                  </p:tgtEl>
-                </p:cond>
-              </p:nextCondLst>
-            </p:seq>
-          </p:childTnLst>
-        </p:cTn>
-      </p:par>
-    </p:tnLst>
-  </p:timing>
+</p:sld>
+</file>
+
+<file path=ppt/slides/slide3.xml><?xml version="1.0" encoding="utf-8"?>
+<p:sld xmlns:a="http://schemas.openxmlformats.org/drawingml/2006/main" xmlns:r="http://schemas.openxmlformats.org/officeDocument/2006/relationships" xmlns:p="http://schemas.openxmlformats.org/presentationml/2006/main">
+  <p:cSld>
+    <p:spTree>
+      <p:nvGrpSpPr>
+        <p:cNvPr id="1" name=""/>
+        <p:cNvGrpSpPr/>
+        <p:nvPr/>
+      </p:nvGrpSpPr>
+      <p:grpSpPr>
+        <a:xfrm>
+          <a:off x="0" y="0"/>
+          <a:ext cx="0" cy="0"/>
+          <a:chOff x="0" y="0"/>
+          <a:chExt cx="0" cy="0"/>
+        </a:xfrm>
+      </p:grpSpPr>
+      <p:sp>
+        <p:nvSpPr>
+          <p:cNvPr id="4" name="TextBox 3">
+            <a:extLst>
+              <a:ext uri="{FF2B5EF4-FFF2-40B4-BE49-F238E27FC236}">
+                <a16:creationId xmlns:a16="http://schemas.microsoft.com/office/drawing/2014/main" id="{3771C628-86AC-74F4-384F-7180811B1D9C}"/>
+              </a:ext>
+            </a:extLst>
+          </p:cNvPr>
+          <p:cNvSpPr txBox="1"/>
+          <p:nvPr/>
+        </p:nvSpPr>
+        <p:spPr>
+          <a:xfrm>
+            <a:off x="2472053" y="1906383"/>
+            <a:ext cx="7247893" cy="2554545"/>
+          </a:xfrm>
+          <a:prstGeom prst="rect">
+            <a:avLst/>
+          </a:prstGeom>
+          <a:noFill/>
+        </p:spPr>
+        <p:txBody>
+          <a:bodyPr wrap="square" rtlCol="0">
+            <a:spAutoFit/>
+          </a:bodyPr>
+          <a:lstStyle/>
+          <a:p>
+            <a:pPr algn="just"/>
+            <a:r>
+              <a:rPr lang="en-US" sz="2000" b="1" dirty="0"/>
+              <a:t>However, STL2NN has its own weakness and drawback.  Unlike its depth that increases logarithmically, Its width increases linearly with the complexity of the formula. This means, in this case STLCG++ finds a way to take advantage of this drawback and outperforms STL2NN. </a:t>
+            </a:r>
+          </a:p>
+          <a:p>
+            <a:pPr algn="just"/>
+            <a:endParaRPr lang="en-US" sz="2000" b="1" dirty="0"/>
+          </a:p>
+          <a:p>
+            <a:pPr algn="just"/>
+            <a:r>
+              <a:rPr lang="en-US" sz="2000" b="1" dirty="0"/>
+              <a:t>Look at an example the results in the explosion of the with of computation graph in the next slide.</a:t>
+            </a:r>
+          </a:p>
+        </p:txBody>
+      </p:sp>
+    </p:spTree>
+    <p:extLst>
+      <p:ext uri="{BB962C8B-B14F-4D97-AF65-F5344CB8AC3E}">
+        <p14:creationId xmlns:p14="http://schemas.microsoft.com/office/powerpoint/2010/main" val="2274363221"/>
+      </p:ext>
+    </p:extLst>
+  </p:cSld>
+  <p:clrMapOvr>
+    <a:masterClrMapping/>
+  </p:clrMapOvr>
+</p:sld>
+</file>
+
+<file path=ppt/slides/slide4.xml><?xml version="1.0" encoding="utf-8"?>
+<p:sld xmlns:a="http://schemas.openxmlformats.org/drawingml/2006/main" xmlns:r="http://schemas.openxmlformats.org/officeDocument/2006/relationships" xmlns:p="http://schemas.openxmlformats.org/presentationml/2006/main">
+  <p:cSld>
+    <p:spTree>
+      <p:nvGrpSpPr>
+        <p:cNvPr id="1" name=""/>
+        <p:cNvGrpSpPr/>
+        <p:nvPr/>
+      </p:nvGrpSpPr>
+      <p:grpSpPr>
+        <a:xfrm>
+          <a:off x="0" y="0"/>
+          <a:ext cx="0" cy="0"/>
+          <a:chOff x="0" y="0"/>
+          <a:chExt cx="0" cy="0"/>
+        </a:xfrm>
+      </p:grpSpPr>
+      <p:pic>
+        <p:nvPicPr>
+          <p:cNvPr id="5" name="Picture 4">
+            <a:extLst>
+              <a:ext uri="{FF2B5EF4-FFF2-40B4-BE49-F238E27FC236}">
+                <a16:creationId xmlns:a16="http://schemas.microsoft.com/office/drawing/2014/main" id="{8AD8D10D-0497-3EE3-D006-82515435890A}"/>
+              </a:ext>
+            </a:extLst>
+          </p:cNvPr>
+          <p:cNvPicPr>
+            <a:picLocks noChangeAspect="1"/>
+          </p:cNvPicPr>
+          <p:nvPr/>
+        </p:nvPicPr>
+        <p:blipFill>
+          <a:blip r:embed="rId2"/>
+          <a:stretch>
+            <a:fillRect/>
+          </a:stretch>
+        </p:blipFill>
+        <p:spPr>
+          <a:xfrm>
+            <a:off x="1612540" y="1033483"/>
+            <a:ext cx="5433153" cy="3766542"/>
+          </a:xfrm>
+          <a:prstGeom prst="rect">
+            <a:avLst/>
+          </a:prstGeom>
+        </p:spPr>
+      </p:pic>
+      <p:sp>
+        <p:nvSpPr>
+          <p:cNvPr id="6" name="TextBox 5">
+            <a:extLst>
+              <a:ext uri="{FF2B5EF4-FFF2-40B4-BE49-F238E27FC236}">
+                <a16:creationId xmlns:a16="http://schemas.microsoft.com/office/drawing/2014/main" id="{2576BAB9-5801-125D-F211-98A9ADEFAF45}"/>
+              </a:ext>
+            </a:extLst>
+          </p:cNvPr>
+          <p:cNvSpPr txBox="1"/>
+          <p:nvPr/>
+        </p:nvSpPr>
+        <p:spPr>
+          <a:xfrm>
+            <a:off x="294439" y="189450"/>
+            <a:ext cx="1420582" cy="830997"/>
+          </a:xfrm>
+          <a:prstGeom prst="rect">
+            <a:avLst/>
+          </a:prstGeom>
+          <a:noFill/>
+        </p:spPr>
+        <p:txBody>
+          <a:bodyPr wrap="none" rtlCol="0">
+            <a:spAutoFit/>
+          </a:bodyPr>
+          <a:lstStyle/>
+          <a:p>
+            <a:r>
+              <a:rPr lang="en-US" sz="4800" b="1" dirty="0"/>
+              <a:t>CPU</a:t>
+            </a:r>
+          </a:p>
+        </p:txBody>
+      </p:sp>
+      <p:sp>
+        <p:nvSpPr>
+          <p:cNvPr id="7" name="TextBox 6">
+            <a:extLst>
+              <a:ext uri="{FF2B5EF4-FFF2-40B4-BE49-F238E27FC236}">
+                <a16:creationId xmlns:a16="http://schemas.microsoft.com/office/drawing/2014/main" id="{56E8D60A-C428-5773-A62E-A1CC89D2AC7C}"/>
+              </a:ext>
+            </a:extLst>
+          </p:cNvPr>
+          <p:cNvSpPr txBox="1"/>
+          <p:nvPr/>
+        </p:nvSpPr>
+        <p:spPr>
+          <a:xfrm>
+            <a:off x="8154093" y="1889084"/>
+            <a:ext cx="3456432" cy="1754326"/>
+          </a:xfrm>
+          <a:prstGeom prst="rect">
+            <a:avLst/>
+          </a:prstGeom>
+          <a:noFill/>
+        </p:spPr>
+        <p:txBody>
+          <a:bodyPr wrap="square" rtlCol="0">
+            <a:spAutoFit/>
+          </a:bodyPr>
+          <a:lstStyle/>
+          <a:p>
+            <a:pPr algn="just"/>
+            <a:r>
+              <a:rPr lang="en-US" b="1" dirty="0"/>
+              <a:t>When the formula results in the explosion of the width of the computation graph we face weakness and STLCG++ finds the opportunity to outperform STL2NN</a:t>
+            </a:r>
+          </a:p>
+        </p:txBody>
+      </p:sp>
+      <p:pic>
+        <p:nvPicPr>
+          <p:cNvPr id="9" name="Picture 8">
+            <a:extLst>
+              <a:ext uri="{FF2B5EF4-FFF2-40B4-BE49-F238E27FC236}">
+                <a16:creationId xmlns:a16="http://schemas.microsoft.com/office/drawing/2014/main" id="{3EC115B9-B3DF-96E4-7138-45E3078A98D2}"/>
+              </a:ext>
+            </a:extLst>
+          </p:cNvPr>
+          <p:cNvPicPr>
+            <a:picLocks noChangeAspect="1"/>
+          </p:cNvPicPr>
+          <p:nvPr/>
+        </p:nvPicPr>
+        <p:blipFill>
+          <a:blip r:embed="rId3"/>
+          <a:stretch>
+            <a:fillRect/>
+          </a:stretch>
+        </p:blipFill>
+        <p:spPr>
+          <a:xfrm>
+            <a:off x="8031424" y="4800025"/>
+            <a:ext cx="3701771" cy="1967034"/>
+          </a:xfrm>
+          <a:prstGeom prst="rect">
+            <a:avLst/>
+          </a:prstGeom>
+        </p:spPr>
+      </p:pic>
+      <mc:AlternateContent xmlns:mc="http://schemas.openxmlformats.org/markup-compatibility/2006">
+        <mc:Choice xmlns:a14="http://schemas.microsoft.com/office/drawing/2010/main" Requires="a14">
+          <p:sp>
+            <p:nvSpPr>
+              <p:cNvPr id="10" name="TextBox 9">
+                <a:extLst>
+                  <a:ext uri="{FF2B5EF4-FFF2-40B4-BE49-F238E27FC236}">
+                    <a16:creationId xmlns:a16="http://schemas.microsoft.com/office/drawing/2014/main" id="{EB0B423F-8510-3D13-8F57-D9A354854A98}"/>
+                  </a:ext>
+                </a:extLst>
+              </p:cNvPr>
+              <p:cNvSpPr txBox="1"/>
+              <p:nvPr/>
+            </p:nvSpPr>
+            <p:spPr>
+              <a:xfrm>
+                <a:off x="0" y="5375268"/>
+                <a:ext cx="7909601" cy="1761123"/>
+              </a:xfrm>
+              <a:prstGeom prst="rect">
+                <a:avLst/>
+              </a:prstGeom>
+              <a:noFill/>
+            </p:spPr>
+            <p:txBody>
+              <a:bodyPr wrap="none" lIns="0" tIns="0" rIns="0" bIns="0" rtlCol="0">
+                <a:spAutoFit/>
+              </a:bodyPr>
+              <a:lstStyle/>
+              <a:p>
+                <a14:m>
+                  <m:oMathPara xmlns:m="http://schemas.openxmlformats.org/officeDocument/2006/math">
+                    <m:oMathParaPr>
+                      <m:jc m:val="centerGroup"/>
+                    </m:oMathParaPr>
+                    <m:oMath xmlns:m="http://schemas.openxmlformats.org/officeDocument/2006/math">
+                      <m:r>
+                        <a:rPr lang="en-US" sz="2400" b="0" i="1" smtClean="0">
+                          <a:latin typeface="Cambria Math" panose="02040503050406030204" pitchFamily="18" charset="0"/>
+                        </a:rPr>
+                        <m:t>𝜑</m:t>
+                      </m:r>
+                      <m:r>
+                        <a:rPr lang="en-US" sz="2400" b="0" i="1" smtClean="0">
+                          <a:latin typeface="Cambria Math" panose="02040503050406030204" pitchFamily="18" charset="0"/>
+                        </a:rPr>
+                        <m:t>=</m:t>
+                      </m:r>
+                      <m:sSub>
+                        <m:sSubPr>
+                          <m:ctrlPr>
+                            <a:rPr lang="en-US" sz="2400" b="0" i="1" smtClean="0">
+                              <a:latin typeface="Cambria Math" panose="02040503050406030204" pitchFamily="18" charset="0"/>
+                            </a:rPr>
+                          </m:ctrlPr>
+                        </m:sSubPr>
+                        <m:e>
+                          <m:r>
+                            <a:rPr lang="en-US" sz="2400" b="0" i="1" smtClean="0">
+                              <a:latin typeface="Cambria Math" panose="02040503050406030204" pitchFamily="18" charset="0"/>
+                            </a:rPr>
+                            <m:t>𝐹</m:t>
+                          </m:r>
+                        </m:e>
+                        <m:sub>
+                          <m:d>
+                            <m:dPr>
+                              <m:begChr m:val="["/>
+                              <m:endChr m:val="]"/>
+                              <m:ctrlPr>
+                                <a:rPr lang="en-US" sz="2400" b="0" i="1" smtClean="0">
+                                  <a:latin typeface="Cambria Math" panose="02040503050406030204" pitchFamily="18" charset="0"/>
+                                </a:rPr>
+                              </m:ctrlPr>
+                            </m:dPr>
+                            <m:e>
+                              <m:r>
+                                <a:rPr lang="en-US" sz="2400" b="0" i="1" smtClean="0">
+                                  <a:latin typeface="Cambria Math" panose="02040503050406030204" pitchFamily="18" charset="0"/>
+                                </a:rPr>
+                                <m:t>5</m:t>
+                              </m:r>
+                              <m:r>
+                                <a:rPr lang="en-US" sz="2400" b="0" i="1" smtClean="0">
+                                  <a:latin typeface="Cambria Math" panose="02040503050406030204" pitchFamily="18" charset="0"/>
+                                </a:rPr>
+                                <m:t>𝑡</m:t>
+                              </m:r>
+                              <m:r>
+                                <a:rPr lang="en-US" sz="2400" b="0" i="1" smtClean="0">
+                                  <a:latin typeface="Cambria Math" panose="02040503050406030204" pitchFamily="18" charset="0"/>
+                                </a:rPr>
+                                <m:t>,8</m:t>
+                              </m:r>
+                              <m:r>
+                                <a:rPr lang="en-US" sz="2400" b="0" i="1" smtClean="0">
+                                  <a:latin typeface="Cambria Math" panose="02040503050406030204" pitchFamily="18" charset="0"/>
+                                </a:rPr>
+                                <m:t>𝑡</m:t>
+                              </m:r>
+                            </m:e>
+                          </m:d>
+                          <m:r>
+                            <a:rPr lang="en-US" sz="2400" b="0" i="1" smtClean="0">
+                              <a:latin typeface="Cambria Math" panose="02040503050406030204" pitchFamily="18" charset="0"/>
+                            </a:rPr>
+                            <m:t> </m:t>
+                          </m:r>
+                        </m:sub>
+                      </m:sSub>
+                      <m:d>
+                        <m:dPr>
+                          <m:ctrlPr>
+                            <a:rPr lang="en-US" sz="2400" b="0" i="1" smtClean="0">
+                              <a:latin typeface="Cambria Math" panose="02040503050406030204" pitchFamily="18" charset="0"/>
+                            </a:rPr>
+                          </m:ctrlPr>
+                        </m:dPr>
+                        <m:e>
+                          <m:r>
+                            <a:rPr lang="en-US" sz="2400" b="0" i="1" smtClean="0">
+                              <a:latin typeface="Cambria Math" panose="02040503050406030204" pitchFamily="18" charset="0"/>
+                            </a:rPr>
+                            <m:t> </m:t>
+                          </m:r>
+                          <m:sSub>
+                            <m:sSubPr>
+                              <m:ctrlPr>
+                                <a:rPr lang="en-US" sz="2400" b="0" i="1" smtClean="0">
+                                  <a:latin typeface="Cambria Math" panose="02040503050406030204" pitchFamily="18" charset="0"/>
+                                </a:rPr>
+                              </m:ctrlPr>
+                            </m:sSubPr>
+                            <m:e>
+                              <m:r>
+                                <a:rPr lang="en-US" sz="2400" b="0" i="1" smtClean="0">
+                                  <a:latin typeface="Cambria Math" panose="02040503050406030204" pitchFamily="18" charset="0"/>
+                                </a:rPr>
+                                <m:t>𝑃</m:t>
+                              </m:r>
+                            </m:e>
+                            <m:sub>
+                              <m:r>
+                                <a:rPr lang="en-US" sz="2400" b="0" i="1" smtClean="0">
+                                  <a:latin typeface="Cambria Math" panose="02040503050406030204" pitchFamily="18" charset="0"/>
+                                </a:rPr>
+                                <m:t>1</m:t>
+                              </m:r>
+                            </m:sub>
+                          </m:sSub>
+                          <m:r>
+                            <a:rPr lang="en-US" sz="2400" b="0" i="1" smtClean="0">
+                              <a:latin typeface="Cambria Math" panose="02040503050406030204" pitchFamily="18" charset="0"/>
+                            </a:rPr>
+                            <m:t>∧</m:t>
+                          </m:r>
+                          <m:sSub>
+                            <m:sSubPr>
+                              <m:ctrlPr>
+                                <a:rPr lang="en-US" sz="2400" i="1">
+                                  <a:latin typeface="Cambria Math" panose="02040503050406030204" pitchFamily="18" charset="0"/>
+                                </a:rPr>
+                              </m:ctrlPr>
+                            </m:sSubPr>
+                            <m:e>
+                              <m:r>
+                                <a:rPr lang="en-US" sz="2400" i="1">
+                                  <a:latin typeface="Cambria Math" panose="02040503050406030204" pitchFamily="18" charset="0"/>
+                                </a:rPr>
+                                <m:t>𝐹</m:t>
+                              </m:r>
+                            </m:e>
+                            <m:sub>
+                              <m:d>
+                                <m:dPr>
+                                  <m:begChr m:val="["/>
+                                  <m:endChr m:val="]"/>
+                                  <m:ctrlPr>
+                                    <a:rPr lang="en-US" sz="2400" i="1">
+                                      <a:latin typeface="Cambria Math" panose="02040503050406030204" pitchFamily="18" charset="0"/>
+                                    </a:rPr>
+                                  </m:ctrlPr>
+                                </m:dPr>
+                                <m:e>
+                                  <m:r>
+                                    <a:rPr lang="en-US" sz="2400" b="0" i="1" smtClean="0">
+                                      <a:latin typeface="Cambria Math" panose="02040503050406030204" pitchFamily="18" charset="0"/>
+                                    </a:rPr>
+                                    <m:t>6</m:t>
+                                  </m:r>
+                                  <m:r>
+                                    <a:rPr lang="en-US" sz="2400" i="1">
+                                      <a:latin typeface="Cambria Math" panose="02040503050406030204" pitchFamily="18" charset="0"/>
+                                    </a:rPr>
+                                    <m:t>𝑡</m:t>
+                                  </m:r>
+                                  <m:r>
+                                    <a:rPr lang="en-US" sz="2400" i="1">
+                                      <a:latin typeface="Cambria Math" panose="02040503050406030204" pitchFamily="18" charset="0"/>
+                                    </a:rPr>
+                                    <m:t>,11</m:t>
+                                  </m:r>
+                                  <m:r>
+                                    <a:rPr lang="en-US" sz="2400" i="1">
+                                      <a:latin typeface="Cambria Math" panose="02040503050406030204" pitchFamily="18" charset="0"/>
+                                    </a:rPr>
+                                    <m:t>𝑡</m:t>
+                                  </m:r>
+                                </m:e>
+                              </m:d>
+                            </m:sub>
+                          </m:sSub>
+                          <m:d>
+                            <m:dPr>
+                              <m:ctrlPr>
+                                <a:rPr lang="en-US" sz="2400" b="0" i="0" smtClean="0">
+                                  <a:latin typeface="Cambria Math" panose="02040503050406030204" pitchFamily="18" charset="0"/>
+                                </a:rPr>
+                              </m:ctrlPr>
+                            </m:dPr>
+                            <m:e>
+                              <m:r>
+                                <a:rPr lang="en-US" sz="2400" b="0" i="0" smtClean="0">
+                                  <a:latin typeface="Cambria Math" panose="02040503050406030204" pitchFamily="18" charset="0"/>
+                                </a:rPr>
+                                <m:t> </m:t>
+                              </m:r>
+                              <m:sSub>
+                                <m:sSubPr>
+                                  <m:ctrlPr>
+                                    <a:rPr lang="en-US" sz="2400" b="0" i="1" smtClean="0">
+                                      <a:latin typeface="Cambria Math" panose="02040503050406030204" pitchFamily="18" charset="0"/>
+                                    </a:rPr>
+                                  </m:ctrlPr>
+                                </m:sSubPr>
+                                <m:e>
+                                  <m:r>
+                                    <a:rPr lang="en-US" sz="2400" b="0" i="1" smtClean="0">
+                                      <a:latin typeface="Cambria Math" panose="02040503050406030204" pitchFamily="18" charset="0"/>
+                                    </a:rPr>
+                                    <m:t>𝑃</m:t>
+                                  </m:r>
+                                </m:e>
+                                <m:sub>
+                                  <m:r>
+                                    <a:rPr lang="en-US" sz="2400" b="0" i="1" smtClean="0">
+                                      <a:latin typeface="Cambria Math" panose="02040503050406030204" pitchFamily="18" charset="0"/>
+                                    </a:rPr>
+                                    <m:t>2</m:t>
+                                  </m:r>
+                                </m:sub>
+                              </m:sSub>
+                              <m:r>
+                                <a:rPr lang="en-US" sz="2400" b="0" i="1" smtClean="0">
+                                  <a:latin typeface="Cambria Math" panose="02040503050406030204" pitchFamily="18" charset="0"/>
+                                </a:rPr>
+                                <m:t>∧</m:t>
+                              </m:r>
+                              <m:sSub>
+                                <m:sSubPr>
+                                  <m:ctrlPr>
+                                    <a:rPr lang="en-US" sz="2400" i="1">
+                                      <a:latin typeface="Cambria Math" panose="02040503050406030204" pitchFamily="18" charset="0"/>
+                                    </a:rPr>
+                                  </m:ctrlPr>
+                                </m:sSubPr>
+                                <m:e>
+                                  <m:r>
+                                    <a:rPr lang="en-US" sz="2400" i="1">
+                                      <a:latin typeface="Cambria Math" panose="02040503050406030204" pitchFamily="18" charset="0"/>
+                                    </a:rPr>
+                                    <m:t>𝐹</m:t>
+                                  </m:r>
+                                </m:e>
+                                <m:sub>
+                                  <m:d>
+                                    <m:dPr>
+                                      <m:begChr m:val="["/>
+                                      <m:endChr m:val="]"/>
+                                      <m:ctrlPr>
+                                        <a:rPr lang="en-US" sz="2400" i="1">
+                                          <a:latin typeface="Cambria Math" panose="02040503050406030204" pitchFamily="18" charset="0"/>
+                                        </a:rPr>
+                                      </m:ctrlPr>
+                                    </m:dPr>
+                                    <m:e>
+                                      <m:r>
+                                        <a:rPr lang="en-US" sz="2400" b="0" i="1" smtClean="0">
+                                          <a:latin typeface="Cambria Math" panose="02040503050406030204" pitchFamily="18" charset="0"/>
+                                        </a:rPr>
+                                        <m:t>6</m:t>
+                                      </m:r>
+                                      <m:r>
+                                        <a:rPr lang="en-US" sz="2400" i="1">
+                                          <a:latin typeface="Cambria Math" panose="02040503050406030204" pitchFamily="18" charset="0"/>
+                                        </a:rPr>
+                                        <m:t>𝑡</m:t>
+                                      </m:r>
+                                      <m:r>
+                                        <a:rPr lang="en-US" sz="2400" i="1">
+                                          <a:latin typeface="Cambria Math" panose="02040503050406030204" pitchFamily="18" charset="0"/>
+                                        </a:rPr>
+                                        <m:t>,7</m:t>
+                                      </m:r>
+                                      <m:r>
+                                        <a:rPr lang="en-US" sz="2400" i="1">
+                                          <a:latin typeface="Cambria Math" panose="02040503050406030204" pitchFamily="18" charset="0"/>
+                                        </a:rPr>
+                                        <m:t>𝑡</m:t>
+                                      </m:r>
+                                    </m:e>
+                                  </m:d>
+                                </m:sub>
+                              </m:sSub>
+                              <m:d>
+                                <m:dPr>
+                                  <m:ctrlPr>
+                                    <a:rPr lang="en-US" sz="2400" b="0" i="1" smtClean="0">
+                                      <a:latin typeface="Cambria Math" panose="02040503050406030204" pitchFamily="18" charset="0"/>
+                                    </a:rPr>
+                                  </m:ctrlPr>
+                                </m:dPr>
+                                <m:e>
+                                  <m:r>
+                                    <a:rPr lang="en-US" sz="2400" b="0" i="1" smtClean="0">
+                                      <a:latin typeface="Cambria Math" panose="02040503050406030204" pitchFamily="18" charset="0"/>
+                                    </a:rPr>
+                                    <m:t> </m:t>
+                                  </m:r>
+                                  <m:sSub>
+                                    <m:sSubPr>
+                                      <m:ctrlPr>
+                                        <a:rPr lang="en-US" sz="2400" b="0" i="1" smtClean="0">
+                                          <a:latin typeface="Cambria Math" panose="02040503050406030204" pitchFamily="18" charset="0"/>
+                                        </a:rPr>
+                                      </m:ctrlPr>
+                                    </m:sSubPr>
+                                    <m:e>
+                                      <m:r>
+                                        <a:rPr lang="en-US" sz="2400" b="0" i="1" smtClean="0">
+                                          <a:latin typeface="Cambria Math" panose="02040503050406030204" pitchFamily="18" charset="0"/>
+                                        </a:rPr>
+                                        <m:t>𝑃</m:t>
+                                      </m:r>
+                                    </m:e>
+                                    <m:sub>
+                                      <m:r>
+                                        <a:rPr lang="en-US" sz="2400" b="0" i="1" smtClean="0">
+                                          <a:latin typeface="Cambria Math" panose="02040503050406030204" pitchFamily="18" charset="0"/>
+                                        </a:rPr>
+                                        <m:t>3</m:t>
+                                      </m:r>
+                                    </m:sub>
+                                  </m:sSub>
+                                  <m:r>
+                                    <a:rPr lang="en-US" sz="2400" b="0" i="1" smtClean="0">
+                                      <a:latin typeface="Cambria Math" panose="02040503050406030204" pitchFamily="18" charset="0"/>
+                                    </a:rPr>
+                                    <m:t>∧</m:t>
+                                  </m:r>
+                                  <m:sSub>
+                                    <m:sSubPr>
+                                      <m:ctrlPr>
+                                        <a:rPr lang="en-US" sz="2400" i="1">
+                                          <a:latin typeface="Cambria Math" panose="02040503050406030204" pitchFamily="18" charset="0"/>
+                                        </a:rPr>
+                                      </m:ctrlPr>
+                                    </m:sSubPr>
+                                    <m:e>
+                                      <m:r>
+                                        <a:rPr lang="en-US" sz="2400" i="1">
+                                          <a:latin typeface="Cambria Math" panose="02040503050406030204" pitchFamily="18" charset="0"/>
+                                        </a:rPr>
+                                        <m:t>𝐹</m:t>
+                                      </m:r>
+                                    </m:e>
+                                    <m:sub>
+                                      <m:d>
+                                        <m:dPr>
+                                          <m:begChr m:val="["/>
+                                          <m:endChr m:val="]"/>
+                                          <m:ctrlPr>
+                                            <a:rPr lang="en-US" sz="2400" i="1">
+                                              <a:latin typeface="Cambria Math" panose="02040503050406030204" pitchFamily="18" charset="0"/>
+                                            </a:rPr>
+                                          </m:ctrlPr>
+                                        </m:dPr>
+                                        <m:e>
+                                          <m:r>
+                                            <a:rPr lang="en-US" sz="2400" b="0" i="1" smtClean="0">
+                                              <a:latin typeface="Cambria Math" panose="02040503050406030204" pitchFamily="18" charset="0"/>
+                                            </a:rPr>
+                                            <m:t>8</m:t>
+                                          </m:r>
+                                          <m:r>
+                                            <a:rPr lang="en-US" sz="2400" i="1">
+                                              <a:latin typeface="Cambria Math" panose="02040503050406030204" pitchFamily="18" charset="0"/>
+                                            </a:rPr>
+                                            <m:t>𝑡</m:t>
+                                          </m:r>
+                                          <m:r>
+                                            <a:rPr lang="en-US" sz="2400" i="1">
+                                              <a:latin typeface="Cambria Math" panose="02040503050406030204" pitchFamily="18" charset="0"/>
+                                            </a:rPr>
+                                            <m:t>,9</m:t>
+                                          </m:r>
+                                          <m:r>
+                                            <a:rPr lang="en-US" sz="2400" i="1">
+                                              <a:latin typeface="Cambria Math" panose="02040503050406030204" pitchFamily="18" charset="0"/>
+                                            </a:rPr>
+                                            <m:t>𝑡</m:t>
+                                          </m:r>
+                                        </m:e>
+                                      </m:d>
+                                      <m:r>
+                                        <a:rPr lang="en-US" sz="2400" i="1">
+                                          <a:latin typeface="Cambria Math" panose="02040503050406030204" pitchFamily="18" charset="0"/>
+                                        </a:rPr>
+                                        <m:t> </m:t>
+                                      </m:r>
+                                    </m:sub>
+                                  </m:sSub>
+                                  <m:sSub>
+                                    <m:sSubPr>
+                                      <m:ctrlPr>
+                                        <a:rPr lang="en-US" sz="2400" b="0" i="1" smtClean="0">
+                                          <a:latin typeface="Cambria Math" panose="02040503050406030204" pitchFamily="18" charset="0"/>
+                                        </a:rPr>
+                                      </m:ctrlPr>
+                                    </m:sSubPr>
+                                    <m:e>
+                                      <m:r>
+                                        <a:rPr lang="en-US" sz="2400" b="0" i="1" smtClean="0">
+                                          <a:latin typeface="Cambria Math" panose="02040503050406030204" pitchFamily="18" charset="0"/>
+                                        </a:rPr>
+                                        <m:t>𝑃</m:t>
+                                      </m:r>
+                                    </m:e>
+                                    <m:sub>
+                                      <m:r>
+                                        <a:rPr lang="en-US" sz="2400" b="0" i="1" smtClean="0">
+                                          <a:latin typeface="Cambria Math" panose="02040503050406030204" pitchFamily="18" charset="0"/>
+                                        </a:rPr>
+                                        <m:t>4</m:t>
+                                      </m:r>
+                                    </m:sub>
+                                  </m:sSub>
+                                  <m:r>
+                                    <a:rPr lang="en-US" sz="2400" b="0" i="1" smtClean="0">
+                                      <a:latin typeface="Cambria Math" panose="02040503050406030204" pitchFamily="18" charset="0"/>
+                                    </a:rPr>
+                                    <m:t> </m:t>
+                                  </m:r>
+                                </m:e>
+                              </m:d>
+                            </m:e>
+                          </m:d>
+                        </m:e>
+                      </m:d>
+                    </m:oMath>
+                  </m:oMathPara>
+                </a14:m>
+                <a:endParaRPr lang="en-US" sz="2400" b="0" dirty="0"/>
+              </a:p>
+              <a:p>
+                <a:endParaRPr lang="en-US" sz="2400" b="0" dirty="0"/>
+              </a:p>
+              <a:p>
+                <a:pPr/>
+                <a14:m>
+                  <m:oMathPara xmlns:m="http://schemas.openxmlformats.org/officeDocument/2006/math">
+                    <m:oMathParaPr>
+                      <m:jc m:val="left"/>
+                    </m:oMathParaPr>
+                    <m:oMath xmlns:m="http://schemas.openxmlformats.org/officeDocument/2006/math">
+                      <m:r>
+                        <a:rPr lang="en-US" sz="2400" b="0" i="1" smtClean="0">
+                          <a:latin typeface="Cambria Math" panose="02040503050406030204" pitchFamily="18" charset="0"/>
+                        </a:rPr>
+                        <m:t>           </m:t>
+                      </m:r>
+                      <m:r>
+                        <a:rPr lang="en-US" sz="2400" b="0" i="1" smtClean="0">
+                          <a:latin typeface="Cambria Math" panose="02040503050406030204" pitchFamily="18" charset="0"/>
+                        </a:rPr>
+                        <m:t>𝑡</m:t>
+                      </m:r>
+                      <m:r>
+                        <a:rPr lang="en-US" sz="2400" b="0" i="1" smtClean="0">
+                          <a:latin typeface="Cambria Math" panose="02040503050406030204" pitchFamily="18" charset="0"/>
+                        </a:rPr>
+                        <m:t>=1,2,3,4,5</m:t>
+                      </m:r>
+                    </m:oMath>
+                  </m:oMathPara>
+                </a14:m>
+                <a:endParaRPr lang="en-US" sz="2400" dirty="0"/>
+              </a:p>
+              <a:p>
+                <a:endParaRPr lang="en-US" sz="2400" dirty="0"/>
+              </a:p>
+            </p:txBody>
+          </p:sp>
+        </mc:Choice>
+        <mc:Fallback>
+          <p:sp>
+            <p:nvSpPr>
+              <p:cNvPr id="10" name="TextBox 9">
+                <a:extLst>
+                  <a:ext uri="{FF2B5EF4-FFF2-40B4-BE49-F238E27FC236}">
+                    <a16:creationId xmlns:a16="http://schemas.microsoft.com/office/drawing/2014/main" id="{EB0B423F-8510-3D13-8F57-D9A354854A98}"/>
+                  </a:ext>
+                </a:extLst>
+              </p:cNvPr>
+              <p:cNvSpPr txBox="1">
+                <a:spLocks noRot="1" noChangeAspect="1" noMove="1" noResize="1" noEditPoints="1" noAdjustHandles="1" noChangeArrowheads="1" noChangeShapeType="1" noTextEdit="1"/>
+              </p:cNvSpPr>
+              <p:nvPr/>
+            </p:nvSpPr>
+            <p:spPr>
+              <a:xfrm>
+                <a:off x="0" y="5375268"/>
+                <a:ext cx="7909601" cy="1761123"/>
+              </a:xfrm>
+              <a:prstGeom prst="rect">
+                <a:avLst/>
+              </a:prstGeom>
+              <a:blipFill>
+                <a:blip r:embed="rId4"/>
+                <a:stretch>
+                  <a:fillRect l="-77"/>
+                </a:stretch>
+              </a:blipFill>
+            </p:spPr>
+            <p:txBody>
+              <a:bodyPr/>
+              <a:lstStyle/>
+              <a:p>
+                <a:r>
+                  <a:rPr lang="en-US">
+                    <a:noFill/>
+                  </a:rPr>
+                  <a:t> </a:t>
+                </a:r>
+              </a:p>
+            </p:txBody>
+          </p:sp>
+        </mc:Fallback>
+      </mc:AlternateContent>
+    </p:spTree>
+    <p:extLst>
+      <p:ext uri="{BB962C8B-B14F-4D97-AF65-F5344CB8AC3E}">
+        <p14:creationId xmlns:p14="http://schemas.microsoft.com/office/powerpoint/2010/main" val="1843734013"/>
+      </p:ext>
+    </p:extLst>
+  </p:cSld>
+  <p:clrMapOvr>
+    <a:masterClrMapping/>
+  </p:clrMapOvr>
 </p:sld>
 </file>
 
